--- a/York Code Dojo - TDD.pptx
+++ b/York Code Dojo - TDD.pptx
@@ -5,7 +5,7 @@
     <p:sldMasterId id="2147483648" r:id="rId1"/>
   </p:sldMasterIdLst>
   <p:notesMasterIdLst>
-    <p:notesMasterId r:id="rId9"/>
+    <p:notesMasterId r:id="rId10"/>
   </p:notesMasterIdLst>
   <p:sldIdLst>
     <p:sldId id="256" r:id="rId2"/>
@@ -15,6 +15,7 @@
     <p:sldId id="263" r:id="rId6"/>
     <p:sldId id="261" r:id="rId7"/>
     <p:sldId id="262" r:id="rId8"/>
+    <p:sldId id="265" r:id="rId9"/>
   </p:sldIdLst>
   <p:sldSz cx="12192000" cy="6858000"/>
   <p:notesSz cx="6742113" cy="9872663"/>
@@ -203,7 +204,7 @@
           <a:p>
             <a:fld id="{FB773726-3C10-4818-9970-B221DD7BDD81}" type="datetimeFigureOut">
               <a:rPr lang="en-GB" smtClean="0"/>
-              <a:t>10/04/2017</a:t>
+              <a:t>13/04/2017</a:t>
             </a:fld>
             <a:endParaRPr lang="en-GB"/>
           </a:p>
@@ -698,11 +699,7 @@
           <a:p>
             <a:r>
               <a:rPr lang="en-GB" baseline="0" dirty="0" smtClean="0"/>
-              <a:t>Who has done TDD before</a:t>
-            </a:r>
-            <a:r>
-              <a:rPr lang="en-GB" baseline="0" dirty="0" smtClean="0"/>
-              <a:t>?</a:t>
+              <a:t>Who has done TDD before?</a:t>
             </a:r>
           </a:p>
           <a:p>
@@ -780,7 +777,7 @@
           <a:p>
             <a:r>
               <a:rPr lang="en-GB" baseline="0" dirty="0" smtClean="0"/>
-              <a:t>Green - Write the minimum amount to pass your test</a:t>
+              <a:t>Green - Write the minimum amount to pass your test.   This stage should be fast.  If it’s taking a long time,  then maybe your test is making too big a leap</a:t>
             </a:r>
           </a:p>
           <a:p>
@@ -794,6 +791,12 @@
               <a:rPr lang="en-GB" baseline="0" dirty="0" smtClean="0"/>
               <a:t>Check your tests still pass</a:t>
             </a:r>
+          </a:p>
+          <a:p>
+            <a:endParaRPr lang="en-GB" baseline="0" dirty="0" smtClean="0"/>
+          </a:p>
+          <a:p>
+            <a:endParaRPr lang="en-GB" baseline="0" dirty="0" smtClean="0"/>
           </a:p>
           <a:p>
             <a:endParaRPr lang="en-GB" baseline="0" dirty="0" smtClean="0"/>
@@ -883,41 +886,6 @@
           <a:bodyPr/>
           <a:lstStyle/>
           <a:p>
-            <a:r>
-              <a:rPr lang="en-GB" dirty="0" smtClean="0"/>
-              <a:t>Word</a:t>
-            </a:r>
-            <a:r>
-              <a:rPr lang="en-GB" baseline="0" dirty="0" smtClean="0"/>
-              <a:t> count</a:t>
-            </a:r>
-          </a:p>
-          <a:p>
-            <a:endParaRPr lang="en-GB" baseline="0" dirty="0" smtClean="0"/>
-          </a:p>
-          <a:p>
-            <a:r>
-              <a:rPr lang="en-GB" baseline="0" dirty="0" smtClean="0"/>
-              <a:t>No words</a:t>
-            </a:r>
-          </a:p>
-          <a:p>
-            <a:endParaRPr lang="en-GB" baseline="0" dirty="0" smtClean="0"/>
-          </a:p>
-          <a:p>
-            <a:r>
-              <a:rPr lang="en-GB" baseline="0" dirty="0" smtClean="0"/>
-              <a:t>1 words</a:t>
-            </a:r>
-          </a:p>
-          <a:p>
-            <a:endParaRPr lang="en-GB" baseline="0" dirty="0" smtClean="0"/>
-          </a:p>
-          <a:p>
-            <a:r>
-              <a:rPr lang="en-GB" baseline="0" dirty="0" smtClean="0"/>
-              <a:t>Multiple words</a:t>
-            </a:r>
             <a:endParaRPr lang="en-GB" dirty="0"/>
           </a:p>
         </p:txBody>
@@ -1119,19 +1087,7 @@
           <a:p>
             <a:r>
               <a:rPr lang="en-GB" baseline="0" dirty="0" smtClean="0"/>
-              <a:t>Pairs - Work in pairs,  ping-pong.  One </a:t>
-            </a:r>
-            <a:r>
-              <a:rPr lang="en-GB" baseline="0" dirty="0" smtClean="0"/>
-              <a:t>writes </a:t>
-            </a:r>
-            <a:r>
-              <a:rPr lang="en-GB" baseline="0" dirty="0" smtClean="0"/>
-              <a:t>the test,  the other writes the code.  Then </a:t>
-            </a:r>
-            <a:r>
-              <a:rPr lang="en-GB" baseline="0" dirty="0" smtClean="0"/>
-              <a:t>swap</a:t>
+              <a:t>Pairs - Work in pairs,  ping-pong.  One writes the test,  the other writes the code.  Then swap</a:t>
             </a:r>
           </a:p>
           <a:p>
@@ -1273,6 +1229,112 @@
 </p:notes>
 </file>
 
+<file path=ppt/notesSlides/notesSlide8.xml><?xml version="1.0" encoding="utf-8"?>
+<p:notes xmlns:a="http://schemas.openxmlformats.org/drawingml/2006/main" xmlns:r="http://schemas.openxmlformats.org/officeDocument/2006/relationships" xmlns:p="http://schemas.openxmlformats.org/presentationml/2006/main">
+  <p:cSld>
+    <p:spTree>
+      <p:nvGrpSpPr>
+        <p:cNvPr id="1" name=""/>
+        <p:cNvGrpSpPr/>
+        <p:nvPr/>
+      </p:nvGrpSpPr>
+      <p:grpSpPr>
+        <a:xfrm>
+          <a:off x="0" y="0"/>
+          <a:ext cx="0" cy="0"/>
+          <a:chOff x="0" y="0"/>
+          <a:chExt cx="0" cy="0"/>
+        </a:xfrm>
+      </p:grpSpPr>
+      <p:sp>
+        <p:nvSpPr>
+          <p:cNvPr id="2" name="Slide Image Placeholder 1"/>
+          <p:cNvSpPr>
+            <a:spLocks noGrp="1" noRot="1" noChangeAspect="1"/>
+          </p:cNvSpPr>
+          <p:nvPr>
+            <p:ph type="sldImg"/>
+          </p:nvPr>
+        </p:nvSpPr>
+        <p:spPr/>
+      </p:sp>
+      <p:sp>
+        <p:nvSpPr>
+          <p:cNvPr id="3" name="Notes Placeholder 2"/>
+          <p:cNvSpPr>
+            <a:spLocks noGrp="1"/>
+          </p:cNvSpPr>
+          <p:nvPr>
+            <p:ph type="body" idx="1"/>
+          </p:nvPr>
+        </p:nvSpPr>
+        <p:spPr/>
+        <p:txBody>
+          <a:bodyPr/>
+          <a:lstStyle/>
+          <a:p>
+            <a:r>
+              <a:rPr lang="en-GB" dirty="0" smtClean="0"/>
+              <a:t>Some</a:t>
+            </a:r>
+            <a:r>
+              <a:rPr lang="en-GB" baseline="0" dirty="0" smtClean="0"/>
+              <a:t> people use it 100% of the time,  and wouldn’t write a line of production code with first writing a test</a:t>
+            </a:r>
+          </a:p>
+          <a:p>
+            <a:endParaRPr lang="en-GB" baseline="0" dirty="0" smtClean="0"/>
+          </a:p>
+          <a:p>
+            <a:r>
+              <a:rPr lang="en-GB" baseline="0" dirty="0" smtClean="0"/>
+              <a:t>Other people don’t like the way TDD drives the design of their classes</a:t>
+            </a:r>
+          </a:p>
+          <a:p>
+            <a:endParaRPr lang="en-GB" baseline="0" dirty="0" smtClean="0"/>
+          </a:p>
+          <a:p>
+            <a:endParaRPr lang="en-GB" dirty="0"/>
+          </a:p>
+        </p:txBody>
+      </p:sp>
+      <p:sp>
+        <p:nvSpPr>
+          <p:cNvPr id="4" name="Slide Number Placeholder 3"/>
+          <p:cNvSpPr>
+            <a:spLocks noGrp="1"/>
+          </p:cNvSpPr>
+          <p:nvPr>
+            <p:ph type="sldNum" sz="quarter" idx="10"/>
+          </p:nvPr>
+        </p:nvSpPr>
+        <p:spPr/>
+        <p:txBody>
+          <a:bodyPr/>
+          <a:lstStyle/>
+          <a:p>
+            <a:fld id="{59855E35-2792-42B5-AA9B-1CC1651621A6}" type="slidenum">
+              <a:rPr lang="en-GB" smtClean="0"/>
+              <a:t>8</a:t>
+            </a:fld>
+            <a:endParaRPr lang="en-GB"/>
+          </a:p>
+        </p:txBody>
+      </p:sp>
+    </p:spTree>
+    <p:extLst>
+      <p:ext uri="{BB962C8B-B14F-4D97-AF65-F5344CB8AC3E}">
+        <p14:creationId xmlns:p14="http://schemas.microsoft.com/office/powerpoint/2010/main" val="1902806988"/>
+      </p:ext>
+    </p:extLst>
+  </p:cSld>
+  <p:clrMapOvr>
+    <a:masterClrMapping/>
+  </p:clrMapOvr>
+</p:notes>
+</file>
+
 <file path=ppt/slideLayouts/slideLayout1.xml><?xml version="1.0" encoding="utf-8"?>
 <p:sldLayout xmlns:a="http://schemas.openxmlformats.org/drawingml/2006/main" xmlns:r="http://schemas.openxmlformats.org/officeDocument/2006/relationships" xmlns:p="http://schemas.openxmlformats.org/presentationml/2006/main" type="title" preserve="1">
   <p:cSld name="Title Slide">
@@ -1414,7 +1476,7 @@
           <a:p>
             <a:fld id="{8C2DC95F-4758-45CC-8E65-674D23536E7F}" type="datetimeFigureOut">
               <a:rPr lang="en-GB" smtClean="0"/>
-              <a:t>10/04/2017</a:t>
+              <a:t>13/04/2017</a:t>
             </a:fld>
             <a:endParaRPr lang="en-GB"/>
           </a:p>
@@ -1624,7 +1686,7 @@
           <a:p>
             <a:fld id="{8C2DC95F-4758-45CC-8E65-674D23536E7F}" type="datetimeFigureOut">
               <a:rPr lang="en-GB" smtClean="0"/>
-              <a:t>10/04/2017</a:t>
+              <a:t>13/04/2017</a:t>
             </a:fld>
             <a:endParaRPr lang="en-GB"/>
           </a:p>
@@ -1834,7 +1896,7 @@
           <a:p>
             <a:fld id="{8C2DC95F-4758-45CC-8E65-674D23536E7F}" type="datetimeFigureOut">
               <a:rPr lang="en-GB" smtClean="0"/>
-              <a:t>10/04/2017</a:t>
+              <a:t>13/04/2017</a:t>
             </a:fld>
             <a:endParaRPr lang="en-GB"/>
           </a:p>
@@ -2110,7 +2172,7 @@
           <a:p>
             <a:fld id="{8C2DC95F-4758-45CC-8E65-674D23536E7F}" type="datetimeFigureOut">
               <a:rPr lang="en-GB" smtClean="0"/>
-              <a:t>10/04/2017</a:t>
+              <a:t>13/04/2017</a:t>
             </a:fld>
             <a:endParaRPr lang="en-GB"/>
           </a:p>
@@ -2380,7 +2442,7 @@
           <a:p>
             <a:fld id="{8C2DC95F-4758-45CC-8E65-674D23536E7F}" type="datetimeFigureOut">
               <a:rPr lang="en-GB" smtClean="0"/>
-              <a:t>10/04/2017</a:t>
+              <a:t>13/04/2017</a:t>
             </a:fld>
             <a:endParaRPr lang="en-GB"/>
           </a:p>
@@ -2786,7 +2848,7 @@
           <a:p>
             <a:fld id="{8C2DC95F-4758-45CC-8E65-674D23536E7F}" type="datetimeFigureOut">
               <a:rPr lang="en-GB" smtClean="0"/>
-              <a:t>10/04/2017</a:t>
+              <a:t>13/04/2017</a:t>
             </a:fld>
             <a:endParaRPr lang="en-GB"/>
           </a:p>
@@ -2936,7 +2998,7 @@
           <a:p>
             <a:fld id="{8C2DC95F-4758-45CC-8E65-674D23536E7F}" type="datetimeFigureOut">
               <a:rPr lang="en-GB" smtClean="0"/>
-              <a:t>10/04/2017</a:t>
+              <a:t>13/04/2017</a:t>
             </a:fld>
             <a:endParaRPr lang="en-GB"/>
           </a:p>
@@ -3055,7 +3117,7 @@
           <a:p>
             <a:fld id="{8C2DC95F-4758-45CC-8E65-674D23536E7F}" type="datetimeFigureOut">
               <a:rPr lang="en-GB" smtClean="0"/>
-              <a:t>10/04/2017</a:t>
+              <a:t>13/04/2017</a:t>
             </a:fld>
             <a:endParaRPr lang="en-GB"/>
           </a:p>
@@ -3365,7 +3427,7 @@
           <a:p>
             <a:fld id="{8C2DC95F-4758-45CC-8E65-674D23536E7F}" type="datetimeFigureOut">
               <a:rPr lang="en-GB" smtClean="0"/>
-              <a:t>10/04/2017</a:t>
+              <a:t>13/04/2017</a:t>
             </a:fld>
             <a:endParaRPr lang="en-GB"/>
           </a:p>
@@ -3655,7 +3717,7 @@
           <a:p>
             <a:fld id="{8C2DC95F-4758-45CC-8E65-674D23536E7F}" type="datetimeFigureOut">
               <a:rPr lang="en-GB" smtClean="0"/>
-              <a:t>10/04/2017</a:t>
+              <a:t>13/04/2017</a:t>
             </a:fld>
             <a:endParaRPr lang="en-GB"/>
           </a:p>
@@ -4530,7 +4592,12 @@
             <p:ph type="title"/>
           </p:nvPr>
         </p:nvSpPr>
-        <p:spPr/>
+        <p:spPr>
+          <a:xfrm>
+            <a:off x="1778924" y="500062"/>
+            <a:ext cx="9574876" cy="1325563"/>
+          </a:xfrm>
+        </p:spPr>
         <p:txBody>
           <a:bodyPr/>
           <a:lstStyle/>
@@ -4567,6 +4634,66 @@
             <a:endParaRPr lang="en-GB" dirty="0" smtClean="0"/>
           </a:p>
           <a:p>
+            <a:endParaRPr lang="en-GB" dirty="0"/>
+          </a:p>
+        </p:txBody>
+      </p:sp>
+      <p:sp>
+        <p:nvSpPr>
+          <p:cNvPr id="4" name="TextBox 3"/>
+          <p:cNvSpPr txBox="1"/>
+          <p:nvPr/>
+        </p:nvSpPr>
+        <p:spPr>
+          <a:xfrm>
+            <a:off x="1778924" y="1825625"/>
+            <a:ext cx="8279476" cy="369332"/>
+          </a:xfrm>
+          <a:prstGeom prst="rect">
+            <a:avLst/>
+          </a:prstGeom>
+          <a:noFill/>
+        </p:spPr>
+        <p:txBody>
+          <a:bodyPr wrap="square" rtlCol="0">
+            <a:spAutoFit/>
+          </a:bodyPr>
+          <a:lstStyle/>
+          <a:p>
+            <a:r>
+              <a:rPr lang="en-GB" dirty="0" smtClean="0"/>
+              <a:t>Count the number of words in a string</a:t>
+            </a:r>
+            <a:endParaRPr lang="en-GB" dirty="0"/>
+          </a:p>
+        </p:txBody>
+      </p:sp>
+      <p:sp>
+        <p:nvSpPr>
+          <p:cNvPr id="5" name="TextBox 4"/>
+          <p:cNvSpPr txBox="1"/>
+          <p:nvPr/>
+        </p:nvSpPr>
+        <p:spPr>
+          <a:xfrm>
+            <a:off x="1778924" y="2759825"/>
+            <a:ext cx="5885411" cy="369332"/>
+          </a:xfrm>
+          <a:prstGeom prst="rect">
+            <a:avLst/>
+          </a:prstGeom>
+          <a:noFill/>
+        </p:spPr>
+        <p:txBody>
+          <a:bodyPr wrap="square" rtlCol="0">
+            <a:spAutoFit/>
+          </a:bodyPr>
+          <a:lstStyle/>
+          <a:p>
+            <a:r>
+              <a:rPr lang="en-GB" dirty="0" smtClean="0"/>
+              <a:t>Two visual studio project – class library and unit tests</a:t>
+            </a:r>
             <a:endParaRPr lang="en-GB" dirty="0"/>
           </a:p>
         </p:txBody>
@@ -4682,7 +4809,23 @@
             </a:r>
             <a:r>
               <a:rPr lang="en-GB" dirty="0"/>
-              <a:t> that takes two arguments, a string, and a column number.  </a:t>
+              <a:t> that takes two arguments, </a:t>
+            </a:r>
+            <a:r>
+              <a:rPr lang="en-GB" dirty="0" smtClean="0"/>
+              <a:t>(a string), </a:t>
+            </a:r>
+            <a:r>
+              <a:rPr lang="en-GB" dirty="0"/>
+              <a:t>and </a:t>
+            </a:r>
+            <a:r>
+              <a:rPr lang="en-GB" dirty="0" smtClean="0"/>
+              <a:t>the column width (a number.)</a:t>
+            </a:r>
+            <a:r>
+              <a:rPr lang="en-GB" dirty="0"/>
+              <a:t>  </a:t>
             </a:r>
             <a:endParaRPr lang="en-GB" dirty="0" smtClean="0"/>
           </a:p>
@@ -4738,6 +4881,13 @@
   <p:clrMapOvr>
     <a:masterClrMapping/>
   </p:clrMapOvr>
+  <p:timing>
+    <p:tnLst>
+      <p:par>
+        <p:cTn id="1" dur="indefinite" restart="never" nodeType="tmRoot"/>
+      </p:par>
+    </p:tnLst>
+  </p:timing>
 </p:sld>
 </file>
 
@@ -4941,6 +5091,92 @@
       </p:par>
     </p:tnLst>
   </p:timing>
+</p:sld>
+</file>
+
+<file path=ppt/slides/slide8.xml><?xml version="1.0" encoding="utf-8"?>
+<p:sld xmlns:a="http://schemas.openxmlformats.org/drawingml/2006/main" xmlns:r="http://schemas.openxmlformats.org/officeDocument/2006/relationships" xmlns:p="http://schemas.openxmlformats.org/presentationml/2006/main">
+  <p:cSld>
+    <p:spTree>
+      <p:nvGrpSpPr>
+        <p:cNvPr id="1" name=""/>
+        <p:cNvGrpSpPr/>
+        <p:nvPr/>
+      </p:nvGrpSpPr>
+      <p:grpSpPr>
+        <a:xfrm>
+          <a:off x="0" y="0"/>
+          <a:ext cx="0" cy="0"/>
+          <a:chOff x="0" y="0"/>
+          <a:chExt cx="0" cy="0"/>
+        </a:xfrm>
+      </p:grpSpPr>
+      <p:sp>
+        <p:nvSpPr>
+          <p:cNvPr id="2" name="Title 1"/>
+          <p:cNvSpPr>
+            <a:spLocks noGrp="1"/>
+          </p:cNvSpPr>
+          <p:nvPr>
+            <p:ph type="title"/>
+          </p:nvPr>
+        </p:nvSpPr>
+        <p:spPr>
+          <a:xfrm>
+            <a:off x="1612668" y="365125"/>
+            <a:ext cx="9741131" cy="1325563"/>
+          </a:xfrm>
+        </p:spPr>
+        <p:txBody>
+          <a:bodyPr/>
+          <a:lstStyle/>
+          <a:p>
+            <a:r>
+              <a:rPr lang="en-GB" dirty="0" smtClean="0"/>
+              <a:t>TDD - Views</a:t>
+            </a:r>
+            <a:endParaRPr lang="en-GB" dirty="0"/>
+          </a:p>
+        </p:txBody>
+      </p:sp>
+      <p:sp>
+        <p:nvSpPr>
+          <p:cNvPr id="3" name="Content Placeholder 2"/>
+          <p:cNvSpPr>
+            <a:spLocks noGrp="1"/>
+          </p:cNvSpPr>
+          <p:nvPr>
+            <p:ph idx="1"/>
+          </p:nvPr>
+        </p:nvSpPr>
+        <p:spPr>
+          <a:xfrm>
+            <a:off x="1612668" y="1825625"/>
+            <a:ext cx="9741132" cy="4351338"/>
+          </a:xfrm>
+        </p:spPr>
+        <p:txBody>
+          <a:bodyPr/>
+          <a:lstStyle/>
+          <a:p>
+            <a:r>
+              <a:rPr lang="en-GB" dirty="0" smtClean="0"/>
+              <a:t>Pros and Cons</a:t>
+            </a:r>
+            <a:endParaRPr lang="en-GB" dirty="0"/>
+          </a:p>
+        </p:txBody>
+      </p:sp>
+    </p:spTree>
+    <p:extLst>
+      <p:ext uri="{BB962C8B-B14F-4D97-AF65-F5344CB8AC3E}">
+        <p14:creationId xmlns:p14="http://schemas.microsoft.com/office/powerpoint/2010/main" val="1959304451"/>
+      </p:ext>
+    </p:extLst>
+  </p:cSld>
+  <p:clrMapOvr>
+    <a:masterClrMapping/>
+  </p:clrMapOvr>
 </p:sld>
 </file>
 
